--- a/static/files/microbit/02-Variables-and-Lists.pptx
+++ b/static/files/microbit/02-Variables-and-Lists.pptx
@@ -15,7 +15,7 @@
     <p:sldId id="368" r:id="rId6"/>
     <p:sldId id="370" r:id="rId7"/>
     <p:sldId id="366" r:id="rId8"/>
-    <p:sldId id="367" r:id="rId9"/>
+    <p:sldId id="376" r:id="rId9"/>
     <p:sldId id="359" r:id="rId10"/>
     <p:sldId id="369" r:id="rId11"/>
   </p:sldIdLst>
@@ -1442,7 +1442,7 @@
     </p:spTree>
     <p:extLst>
       <p:ext uri="{BB962C8B-B14F-4D97-AF65-F5344CB8AC3E}">
-        <p14:creationId xmlns:p14="http://schemas.microsoft.com/office/powerpoint/2010/main" val="53704090"/>
+        <p14:creationId xmlns:p14="http://schemas.microsoft.com/office/powerpoint/2010/main" val="139620818"/>
       </p:ext>
     </p:extLst>
   </p:cSld>
@@ -3907,7 +3907,7 @@
           </a:bodyPr>
           <a:lstStyle/>
           <a:p>
-            <a:pPr marL="0" marR="0" lvl="0" indent="0" algn="l" rtl="0">
+            <a:pPr marL="0" marR="0" lvl="0" indent="0" rtl="0">
               <a:spcBef>
                 <a:spcPts val="0"/>
               </a:spcBef>
@@ -3923,6 +3923,7 @@
                 <a:solidFill>
                   <a:schemeClr val="lt1"/>
                 </a:solidFill>
+                <a:latin typeface="Atkinson Hyperlegible" pitchFamily="2" charset="0"/>
               </a:rPr>
               <a:t>Lesson 2</a:t>
             </a:r>
@@ -3958,7 +3959,7 @@
           </a:bodyPr>
           <a:lstStyle/>
           <a:p>
-            <a:pPr marL="0" marR="0" lvl="0" indent="0" algn="l" rtl="0">
+            <a:pPr marL="0" marR="0" lvl="0" indent="0" rtl="0">
               <a:spcBef>
                 <a:spcPts val="0"/>
               </a:spcBef>
@@ -3974,6 +3975,7 @@
                 <a:solidFill>
                   <a:schemeClr val="lt1"/>
                 </a:solidFill>
+                <a:latin typeface="Atkinson Hyperlegible" pitchFamily="2" charset="0"/>
               </a:rPr>
               <a:t>Variables and Lists</a:t>
             </a:r>
@@ -3981,6 +3983,7 @@
               <a:solidFill>
                 <a:schemeClr val="lt1"/>
               </a:solidFill>
+              <a:latin typeface="Atkinson Hyperlegible" pitchFamily="2" charset="0"/>
             </a:endParaRPr>
           </a:p>
         </p:txBody>
@@ -4010,7 +4013,7 @@
           </a:bodyPr>
           <a:lstStyle/>
           <a:p>
-            <a:pPr marL="0" marR="0" lvl="0" indent="0" algn="l" rtl="0">
+            <a:pPr marL="0" marR="0" lvl="0" indent="0" rtl="0">
               <a:lnSpc>
                 <a:spcPct val="100000"/>
               </a:lnSpc>
@@ -4030,9 +4033,7 @@
               <a:solidFill>
                 <a:srgbClr val="000000"/>
               </a:solidFill>
-              <a:latin typeface="Arial"/>
-              <a:ea typeface="Arial"/>
-              <a:cs typeface="Arial"/>
+              <a:latin typeface="Atkinson Hyperlegible" pitchFamily="2" charset="0"/>
               <a:sym typeface="Arial"/>
             </a:endParaRPr>
           </a:p>
@@ -4161,6 +4162,250 @@
           </a:extLst>
         </p:spPr>
       </p:pic>
+      <p:sp>
+        <p:nvSpPr>
+          <p:cNvPr id="2" name="Shape 94">
+            <a:extLst>
+              <a:ext uri="{FF2B5EF4-FFF2-40B4-BE49-F238E27FC236}">
+                <a16:creationId xmlns:a16="http://schemas.microsoft.com/office/drawing/2014/main" id="{4DA5D8F6-C55F-45C7-BEE1-7389FCB8C96C}"/>
+              </a:ext>
+            </a:extLst>
+          </p:cNvPr>
+          <p:cNvSpPr txBox="1">
+            <a:spLocks/>
+          </p:cNvSpPr>
+          <p:nvPr/>
+        </p:nvSpPr>
+        <p:spPr>
+          <a:xfrm>
+            <a:off x="175189" y="0"/>
+            <a:ext cx="8229600" cy="683699"/>
+          </a:xfrm>
+          <a:prstGeom prst="rect">
+            <a:avLst/>
+          </a:prstGeom>
+          <a:solidFill>
+            <a:srgbClr val="5CB343"/>
+          </a:solidFill>
+          <a:ln>
+            <a:noFill/>
+          </a:ln>
+        </p:spPr>
+        <p:txBody>
+          <a:bodyPr lIns="91425" tIns="91425" rIns="91425" bIns="91425" anchor="ctr" anchorCtr="0">
+            <a:noAutofit/>
+          </a:bodyPr>
+          <a:lstStyle>
+            <a:defPPr marR="0" lvl="0" algn="l" rtl="0">
+              <a:lnSpc>
+                <a:spcPct val="100000"/>
+              </a:lnSpc>
+              <a:spcBef>
+                <a:spcPts val="0"/>
+              </a:spcBef>
+              <a:spcAft>
+                <a:spcPts val="0"/>
+              </a:spcAft>
+            </a:defPPr>
+            <a:lvl1pPr marL="0" marR="0" lvl="0" indent="0" algn="l" rtl="0">
+              <a:lnSpc>
+                <a:spcPct val="100000"/>
+              </a:lnSpc>
+              <a:spcBef>
+                <a:spcPts val="0"/>
+              </a:spcBef>
+              <a:spcAft>
+                <a:spcPts val="0"/>
+              </a:spcAft>
+              <a:buClr>
+                <a:srgbClr val="FFFFFF"/>
+              </a:buClr>
+              <a:buSzPct val="100000"/>
+              <a:buFont typeface="Ubuntu"/>
+              <a:buNone/>
+              <a:defRPr sz="3000" b="1" i="0" u="none" strike="noStrike" cap="none">
+                <a:solidFill>
+                  <a:srgbClr val="FFFFFF"/>
+                </a:solidFill>
+                <a:latin typeface="Century Gothic" panose="020B0502020202020204" pitchFamily="34" charset="0"/>
+                <a:ea typeface="Century Gothic" panose="020B0502020202020204" pitchFamily="34" charset="0"/>
+                <a:cs typeface="Century Gothic" panose="020B0502020202020204" pitchFamily="34" charset="0"/>
+                <a:sym typeface="Ubuntu"/>
+                <a:rtl val="0"/>
+              </a:defRPr>
+            </a:lvl1pPr>
+            <a:lvl2pPr marL="0" marR="0" lvl="1" indent="0" algn="l" rtl="0">
+              <a:spcBef>
+                <a:spcPts val="0"/>
+              </a:spcBef>
+              <a:buClr>
+                <a:srgbClr val="FFFFFF"/>
+              </a:buClr>
+              <a:buSzPct val="100000"/>
+              <a:buFont typeface="Ubuntu"/>
+              <a:defRPr sz="3000" b="1">
+                <a:solidFill>
+                  <a:srgbClr val="FFFFFF"/>
+                </a:solidFill>
+                <a:latin typeface="Ubuntu"/>
+                <a:ea typeface="Ubuntu"/>
+                <a:cs typeface="Ubuntu"/>
+                <a:sym typeface="Ubuntu"/>
+              </a:defRPr>
+            </a:lvl2pPr>
+            <a:lvl3pPr marL="0" marR="0" lvl="2" indent="0" algn="l" rtl="0">
+              <a:spcBef>
+                <a:spcPts val="0"/>
+              </a:spcBef>
+              <a:buClr>
+                <a:srgbClr val="FFFFFF"/>
+              </a:buClr>
+              <a:buSzPct val="100000"/>
+              <a:buFont typeface="Ubuntu"/>
+              <a:defRPr sz="3000" b="1">
+                <a:solidFill>
+                  <a:srgbClr val="FFFFFF"/>
+                </a:solidFill>
+                <a:latin typeface="Ubuntu"/>
+                <a:ea typeface="Ubuntu"/>
+                <a:cs typeface="Ubuntu"/>
+                <a:sym typeface="Ubuntu"/>
+              </a:defRPr>
+            </a:lvl3pPr>
+            <a:lvl4pPr marL="0" marR="0" lvl="3" indent="0" algn="l" rtl="0">
+              <a:spcBef>
+                <a:spcPts val="0"/>
+              </a:spcBef>
+              <a:buClr>
+                <a:srgbClr val="FFFFFF"/>
+              </a:buClr>
+              <a:buSzPct val="100000"/>
+              <a:buFont typeface="Ubuntu"/>
+              <a:defRPr sz="3000" b="1">
+                <a:solidFill>
+                  <a:srgbClr val="FFFFFF"/>
+                </a:solidFill>
+                <a:latin typeface="Ubuntu"/>
+                <a:ea typeface="Ubuntu"/>
+                <a:cs typeface="Ubuntu"/>
+                <a:sym typeface="Ubuntu"/>
+              </a:defRPr>
+            </a:lvl4pPr>
+            <a:lvl5pPr marL="0" marR="0" lvl="4" indent="0" algn="l" rtl="0">
+              <a:spcBef>
+                <a:spcPts val="0"/>
+              </a:spcBef>
+              <a:buClr>
+                <a:srgbClr val="FFFFFF"/>
+              </a:buClr>
+              <a:buSzPct val="100000"/>
+              <a:buFont typeface="Ubuntu"/>
+              <a:defRPr sz="3000" b="1">
+                <a:solidFill>
+                  <a:srgbClr val="FFFFFF"/>
+                </a:solidFill>
+                <a:latin typeface="Ubuntu"/>
+                <a:ea typeface="Ubuntu"/>
+                <a:cs typeface="Ubuntu"/>
+                <a:sym typeface="Ubuntu"/>
+              </a:defRPr>
+            </a:lvl5pPr>
+            <a:lvl6pPr marL="0" marR="0" lvl="5" indent="0" algn="l" rtl="0">
+              <a:spcBef>
+                <a:spcPts val="0"/>
+              </a:spcBef>
+              <a:buClr>
+                <a:srgbClr val="FFFFFF"/>
+              </a:buClr>
+              <a:buSzPct val="100000"/>
+              <a:buFont typeface="Ubuntu"/>
+              <a:defRPr sz="3000" b="1">
+                <a:solidFill>
+                  <a:srgbClr val="FFFFFF"/>
+                </a:solidFill>
+                <a:latin typeface="Ubuntu"/>
+                <a:ea typeface="Ubuntu"/>
+                <a:cs typeface="Ubuntu"/>
+                <a:sym typeface="Ubuntu"/>
+              </a:defRPr>
+            </a:lvl6pPr>
+            <a:lvl7pPr marL="0" marR="0" lvl="6" indent="0" algn="l" rtl="0">
+              <a:spcBef>
+                <a:spcPts val="0"/>
+              </a:spcBef>
+              <a:buClr>
+                <a:srgbClr val="FFFFFF"/>
+              </a:buClr>
+              <a:buSzPct val="100000"/>
+              <a:buFont typeface="Ubuntu"/>
+              <a:defRPr sz="3000" b="1">
+                <a:solidFill>
+                  <a:srgbClr val="FFFFFF"/>
+                </a:solidFill>
+                <a:latin typeface="Ubuntu"/>
+                <a:ea typeface="Ubuntu"/>
+                <a:cs typeface="Ubuntu"/>
+                <a:sym typeface="Ubuntu"/>
+              </a:defRPr>
+            </a:lvl7pPr>
+            <a:lvl8pPr marL="0" marR="0" lvl="7" indent="0" algn="l" rtl="0">
+              <a:spcBef>
+                <a:spcPts val="0"/>
+              </a:spcBef>
+              <a:buClr>
+                <a:srgbClr val="FFFFFF"/>
+              </a:buClr>
+              <a:buSzPct val="100000"/>
+              <a:buFont typeface="Ubuntu"/>
+              <a:defRPr sz="3000" b="1">
+                <a:solidFill>
+                  <a:srgbClr val="FFFFFF"/>
+                </a:solidFill>
+                <a:latin typeface="Ubuntu"/>
+                <a:ea typeface="Ubuntu"/>
+                <a:cs typeface="Ubuntu"/>
+                <a:sym typeface="Ubuntu"/>
+              </a:defRPr>
+            </a:lvl8pPr>
+            <a:lvl9pPr marL="0" marR="0" lvl="8" indent="0" algn="l" rtl="0">
+              <a:spcBef>
+                <a:spcPts val="0"/>
+              </a:spcBef>
+              <a:buClr>
+                <a:srgbClr val="FFFFFF"/>
+              </a:buClr>
+              <a:buSzPct val="100000"/>
+              <a:buFont typeface="Ubuntu"/>
+              <a:defRPr sz="3000" b="1">
+                <a:solidFill>
+                  <a:srgbClr val="FFFFFF"/>
+                </a:solidFill>
+                <a:latin typeface="Ubuntu"/>
+                <a:ea typeface="Ubuntu"/>
+                <a:cs typeface="Ubuntu"/>
+                <a:sym typeface="Ubuntu"/>
+              </a:defRPr>
+            </a:lvl9pPr>
+          </a:lstStyle>
+          <a:p>
+            <a:r>
+              <a:rPr lang="en-GB" b="0" dirty="0">
+                <a:latin typeface="Atkinson Hyperlegible" pitchFamily="2" charset="0"/>
+              </a:rPr>
+              <a:t>BBC </a:t>
+            </a:r>
+            <a:r>
+              <a:rPr lang="en-GB" b="0" dirty="0" err="1">
+                <a:latin typeface="Atkinson Hyperlegible" pitchFamily="2" charset="0"/>
+              </a:rPr>
+              <a:t>Micro:bit</a:t>
+            </a:r>
+            <a:endParaRPr lang="en-GB" b="0" dirty="0">
+              <a:latin typeface="Atkinson Hyperlegible" pitchFamily="2" charset="0"/>
+            </a:endParaRPr>
+          </a:p>
+        </p:txBody>
+      </p:sp>
     </p:spTree>
   </p:cSld>
   <p:clrMapOvr>
@@ -4221,7 +4466,9 @@
               <a:buNone/>
             </a:pPr>
             <a:r>
-              <a:rPr lang="en-GB" dirty="0"/>
+              <a:rPr lang="en-GB" dirty="0">
+                <a:latin typeface="Atkinson Hyperlegible" pitchFamily="2" charset="0"/>
+              </a:rPr>
               <a:t>Activity 2.5</a:t>
             </a:r>
           </a:p>
@@ -4258,7 +4505,7 @@
           </a:bodyPr>
           <a:lstStyle/>
           <a:p>
-            <a:pPr lvl="0" algn="ctr">
+            <a:pPr lvl="0">
               <a:buClr>
                 <a:srgbClr val="003565"/>
               </a:buClr>
@@ -4269,7 +4516,7 @@
                 <a:solidFill>
                   <a:schemeClr val="tx1"/>
                 </a:solidFill>
-                <a:latin typeface="Century Gothic" panose="020B0502020202020204" pitchFamily="34" charset="0"/>
+                <a:latin typeface="Atkinson Hyperlegible" pitchFamily="2" charset="0"/>
                 <a:ea typeface="Ubuntu"/>
                 <a:cs typeface="Ubuntu"/>
                 <a:sym typeface="Ubuntu"/>
@@ -4310,7 +4557,7 @@
           </a:bodyPr>
           <a:lstStyle/>
           <a:p>
-            <a:pPr lvl="0" algn="ctr">
+            <a:pPr lvl="0">
               <a:buClr>
                 <a:srgbClr val="003565"/>
               </a:buClr>
@@ -4321,7 +4568,7 @@
                 <a:solidFill>
                   <a:schemeClr val="tx1"/>
                 </a:solidFill>
-                <a:latin typeface="Century Gothic" panose="020B0502020202020204" pitchFamily="34" charset="0"/>
+                <a:latin typeface="Atkinson Hyperlegible" pitchFamily="2" charset="0"/>
                 <a:ea typeface="Ubuntu"/>
                 <a:cs typeface="Ubuntu"/>
                 <a:sym typeface="Ubuntu"/>
@@ -4362,7 +4609,7 @@
           </a:bodyPr>
           <a:lstStyle/>
           <a:p>
-            <a:pPr lvl="0" algn="ctr">
+            <a:pPr lvl="0">
               <a:buClr>
                 <a:srgbClr val="003565"/>
               </a:buClr>
@@ -4372,7 +4619,7 @@
               <a:solidFill>
                 <a:schemeClr val="tx1"/>
               </a:solidFill>
-              <a:latin typeface="Century Gothic" panose="020B0502020202020204" pitchFamily="34" charset="0"/>
+              <a:latin typeface="Atkinson Hyperlegible" pitchFamily="2" charset="0"/>
               <a:ea typeface="Ubuntu"/>
               <a:cs typeface="Ubuntu"/>
               <a:sym typeface="Ubuntu"/>
@@ -4469,7 +4716,9 @@
               <a:buNone/>
             </a:pPr>
             <a:r>
-              <a:rPr lang="en-GB" dirty="0"/>
+              <a:rPr lang="en-GB" dirty="0">
+                <a:latin typeface="Atkinson Hyperlegible" pitchFamily="2" charset="0"/>
+              </a:rPr>
               <a:t>Variables</a:t>
             </a:r>
           </a:p>
@@ -4506,7 +4755,7 @@
           </a:bodyPr>
           <a:lstStyle/>
           <a:p>
-            <a:pPr lvl="0" algn="ctr">
+            <a:pPr lvl="0">
               <a:buClr>
                 <a:srgbClr val="003565"/>
               </a:buClr>
@@ -4517,7 +4766,7 @@
                 <a:solidFill>
                   <a:schemeClr val="tx1"/>
                 </a:solidFill>
-                <a:latin typeface="Century Gothic" panose="020B0502020202020204" pitchFamily="34" charset="0"/>
+                <a:latin typeface="Atkinson Hyperlegible" pitchFamily="2" charset="0"/>
                 <a:ea typeface="Ubuntu"/>
                 <a:cs typeface="Ubuntu"/>
                 <a:sym typeface="Ubuntu"/>
@@ -4558,7 +4807,7 @@
           </a:bodyPr>
           <a:lstStyle/>
           <a:p>
-            <a:pPr lvl="0" algn="ctr">
+            <a:pPr lvl="0">
               <a:buClr>
                 <a:srgbClr val="003565"/>
               </a:buClr>
@@ -4569,7 +4818,7 @@
                 <a:solidFill>
                   <a:schemeClr val="tx1"/>
                 </a:solidFill>
-                <a:latin typeface="Century Gothic" panose="020B0502020202020204" pitchFamily="34" charset="0"/>
+                <a:latin typeface="Atkinson Hyperlegible" pitchFamily="2" charset="0"/>
                 <a:ea typeface="Ubuntu"/>
                 <a:cs typeface="Ubuntu"/>
                 <a:sym typeface="Ubuntu"/>
@@ -4610,7 +4859,7 @@
           </a:bodyPr>
           <a:lstStyle/>
           <a:p>
-            <a:pPr lvl="0" algn="ctr">
+            <a:pPr lvl="0">
               <a:buClr>
                 <a:srgbClr val="003565"/>
               </a:buClr>
@@ -4621,7 +4870,7 @@
                 <a:solidFill>
                   <a:schemeClr val="tx1"/>
                 </a:solidFill>
-                <a:latin typeface="Century Gothic" panose="020B0502020202020204" pitchFamily="34" charset="0"/>
+                <a:latin typeface="Atkinson Hyperlegible" pitchFamily="2" charset="0"/>
                 <a:ea typeface="Ubuntu"/>
                 <a:cs typeface="Ubuntu"/>
                 <a:sym typeface="Ubuntu"/>
@@ -4685,7 +4934,7 @@
           <a:p>
             <a:r>
               <a:rPr lang="en-GB" sz="2400" dirty="0">
-                <a:latin typeface="Century Gothic" panose="020B0502020202020204" pitchFamily="34" charset="0"/>
+                <a:latin typeface="Atkinson Hyperlegible" pitchFamily="2" charset="0"/>
               </a:rPr>
               <a:t>Name</a:t>
             </a:r>
@@ -4781,7 +5030,9 @@
               <a:buNone/>
             </a:pPr>
             <a:r>
-              <a:rPr lang="en-GB" dirty="0"/>
+              <a:rPr lang="en-GB" dirty="0">
+                <a:latin typeface="Atkinson Hyperlegible" pitchFamily="2" charset="0"/>
+              </a:rPr>
               <a:t>Drawing Your Own Images</a:t>
             </a:r>
           </a:p>
@@ -4818,7 +5069,7 @@
           </a:bodyPr>
           <a:lstStyle/>
           <a:p>
-            <a:pPr lvl="0" algn="ctr">
+            <a:pPr lvl="0">
               <a:buClr>
                 <a:srgbClr val="003565"/>
               </a:buClr>
@@ -4829,7 +5080,7 @@
                 <a:solidFill>
                   <a:schemeClr val="tx1"/>
                 </a:solidFill>
-                <a:latin typeface="Century Gothic" panose="020B0502020202020204" pitchFamily="34" charset="0"/>
+                <a:latin typeface="Atkinson Hyperlegible" pitchFamily="2" charset="0"/>
                 <a:ea typeface="Ubuntu"/>
                 <a:cs typeface="Ubuntu"/>
                 <a:sym typeface="Ubuntu"/>
@@ -4870,7 +5121,7 @@
           </a:bodyPr>
           <a:lstStyle/>
           <a:p>
-            <a:pPr lvl="0" algn="ctr">
+            <a:pPr lvl="0">
               <a:buClr>
                 <a:srgbClr val="003565"/>
               </a:buClr>
@@ -4880,7 +5131,7 @@
               <a:solidFill>
                 <a:schemeClr val="tx1"/>
               </a:solidFill>
-              <a:latin typeface="Century Gothic" panose="020B0502020202020204" pitchFamily="34" charset="0"/>
+              <a:latin typeface="Atkinson Hyperlegible" pitchFamily="2" charset="0"/>
               <a:ea typeface="Ubuntu"/>
               <a:cs typeface="Ubuntu"/>
               <a:sym typeface="Ubuntu"/>
@@ -4919,7 +5170,7 @@
           </a:bodyPr>
           <a:lstStyle/>
           <a:p>
-            <a:pPr lvl="0" algn="ctr">
+            <a:pPr lvl="0">
               <a:buClr>
                 <a:srgbClr val="003565"/>
               </a:buClr>
@@ -4930,7 +5181,7 @@
                 <a:solidFill>
                   <a:schemeClr val="tx1"/>
                 </a:solidFill>
-                <a:latin typeface="Century Gothic" panose="020B0502020202020204" pitchFamily="34" charset="0"/>
+                <a:latin typeface="Atkinson Hyperlegible" pitchFamily="2" charset="0"/>
                 <a:ea typeface="Ubuntu"/>
                 <a:cs typeface="Ubuntu"/>
                 <a:sym typeface="Ubuntu"/>
@@ -5005,7 +5256,9 @@
               <a:buNone/>
             </a:pPr>
             <a:r>
-              <a:rPr lang="en-GB" dirty="0"/>
+              <a:rPr lang="en-GB" dirty="0">
+                <a:latin typeface="Atkinson Hyperlegible" pitchFamily="2" charset="0"/>
+              </a:rPr>
               <a:t>Activity 2.1</a:t>
             </a:r>
           </a:p>
@@ -5042,7 +5295,7 @@
           </a:bodyPr>
           <a:lstStyle/>
           <a:p>
-            <a:pPr lvl="0" algn="ctr">
+            <a:pPr lvl="0">
               <a:buClr>
                 <a:srgbClr val="003565"/>
               </a:buClr>
@@ -5053,7 +5306,7 @@
                 <a:solidFill>
                   <a:schemeClr val="tx1"/>
                 </a:solidFill>
-                <a:latin typeface="Century Gothic" panose="020B0502020202020204" pitchFamily="34" charset="0"/>
+                <a:latin typeface="Atkinson Hyperlegible" pitchFamily="2" charset="0"/>
                 <a:ea typeface="Ubuntu"/>
                 <a:cs typeface="Ubuntu"/>
                 <a:sym typeface="Ubuntu"/>
@@ -5494,7 +5747,7 @@
           </a:bodyPr>
           <a:lstStyle/>
           <a:p>
-            <a:pPr lvl="0" algn="ctr">
+            <a:pPr lvl="0">
               <a:buClr>
                 <a:srgbClr val="003565"/>
               </a:buClr>
@@ -5505,7 +5758,7 @@
                 <a:solidFill>
                   <a:schemeClr val="tx1"/>
                 </a:solidFill>
-                <a:latin typeface="Century Gothic" panose="020B0502020202020204" pitchFamily="34" charset="0"/>
+                <a:latin typeface="Atkinson Hyperlegible" pitchFamily="2" charset="0"/>
                 <a:ea typeface="Ubuntu"/>
                 <a:cs typeface="Ubuntu"/>
                 <a:sym typeface="Ubuntu"/>
@@ -5980,7 +6233,9 @@
               <a:buNone/>
             </a:pPr>
             <a:r>
-              <a:rPr lang="en-GB" dirty="0"/>
+              <a:rPr lang="en-GB" dirty="0">
+                <a:latin typeface="Atkinson Hyperlegible" pitchFamily="2" charset="0"/>
+              </a:rPr>
               <a:t>Activity 2.2</a:t>
             </a:r>
           </a:p>
@@ -6017,7 +6272,7 @@
           </a:bodyPr>
           <a:lstStyle/>
           <a:p>
-            <a:pPr lvl="0" algn="ctr">
+            <a:pPr lvl="0">
               <a:buClr>
                 <a:srgbClr val="003565"/>
               </a:buClr>
@@ -6028,7 +6283,7 @@
                 <a:solidFill>
                   <a:schemeClr val="tx1"/>
                 </a:solidFill>
-                <a:latin typeface="Century Gothic" panose="020B0502020202020204" pitchFamily="34" charset="0"/>
+                <a:latin typeface="Atkinson Hyperlegible" pitchFamily="2" charset="0"/>
                 <a:ea typeface="Ubuntu"/>
                 <a:cs typeface="Ubuntu"/>
                 <a:sym typeface="Ubuntu"/>
@@ -6069,7 +6324,7 @@
           </a:bodyPr>
           <a:lstStyle/>
           <a:p>
-            <a:pPr lvl="0" algn="ctr">
+            <a:pPr lvl="0">
               <a:buClr>
                 <a:srgbClr val="003565"/>
               </a:buClr>
@@ -6080,7 +6335,7 @@
                 <a:solidFill>
                   <a:schemeClr val="tx1"/>
                 </a:solidFill>
-                <a:latin typeface="Century Gothic" panose="020B0502020202020204" pitchFamily="34" charset="0"/>
+                <a:latin typeface="Atkinson Hyperlegible" pitchFamily="2" charset="0"/>
                 <a:ea typeface="Ubuntu"/>
                 <a:cs typeface="Ubuntu"/>
                 <a:sym typeface="Ubuntu"/>
@@ -6121,7 +6376,7 @@
           </a:bodyPr>
           <a:lstStyle/>
           <a:p>
-            <a:pPr lvl="0" algn="ctr">
+            <a:pPr lvl="0">
               <a:buClr>
                 <a:srgbClr val="003565"/>
               </a:buClr>
@@ -6131,7 +6386,7 @@
               <a:solidFill>
                 <a:schemeClr val="tx1"/>
               </a:solidFill>
-              <a:latin typeface="Century Gothic" panose="020B0502020202020204" pitchFamily="34" charset="0"/>
+              <a:latin typeface="Atkinson Hyperlegible" pitchFamily="2" charset="0"/>
               <a:ea typeface="Ubuntu"/>
               <a:cs typeface="Ubuntu"/>
               <a:sym typeface="Ubuntu"/>
@@ -6252,7 +6507,9 @@
               <a:buNone/>
             </a:pPr>
             <a:r>
-              <a:rPr lang="en-GB" dirty="0"/>
+              <a:rPr lang="en-GB" dirty="0">
+                <a:latin typeface="Atkinson Hyperlegible" pitchFamily="2" charset="0"/>
+              </a:rPr>
               <a:t>Activity 2.3</a:t>
             </a:r>
           </a:p>
@@ -6289,7 +6546,7 @@
           </a:bodyPr>
           <a:lstStyle/>
           <a:p>
-            <a:pPr lvl="0" algn="ctr">
+            <a:pPr lvl="0">
               <a:buClr>
                 <a:srgbClr val="003565"/>
               </a:buClr>
@@ -6300,7 +6557,7 @@
                 <a:solidFill>
                   <a:schemeClr val="tx1"/>
                 </a:solidFill>
-                <a:latin typeface="Century Gothic" panose="020B0502020202020204" pitchFamily="34" charset="0"/>
+                <a:latin typeface="Atkinson Hyperlegible" pitchFamily="2" charset="0"/>
                 <a:ea typeface="Ubuntu"/>
                 <a:cs typeface="Ubuntu"/>
                 <a:sym typeface="Ubuntu"/>
@@ -6341,7 +6598,7 @@
           </a:bodyPr>
           <a:lstStyle/>
           <a:p>
-            <a:pPr lvl="0" algn="ctr">
+            <a:pPr lvl="0">
               <a:buClr>
                 <a:srgbClr val="003565"/>
               </a:buClr>
@@ -6352,7 +6609,7 @@
                 <a:solidFill>
                   <a:schemeClr val="tx1"/>
                 </a:solidFill>
-                <a:latin typeface="Century Gothic" panose="020B0502020202020204" pitchFamily="34" charset="0"/>
+                <a:latin typeface="Atkinson Hyperlegible" pitchFamily="2" charset="0"/>
                 <a:ea typeface="Ubuntu"/>
                 <a:cs typeface="Ubuntu"/>
                 <a:sym typeface="Ubuntu"/>
@@ -6393,7 +6650,7 @@
           </a:bodyPr>
           <a:lstStyle/>
           <a:p>
-            <a:pPr lvl="0" algn="ctr">
+            <a:pPr lvl="0">
               <a:buClr>
                 <a:srgbClr val="003565"/>
               </a:buClr>
@@ -6403,7 +6660,7 @@
               <a:solidFill>
                 <a:schemeClr val="tx1"/>
               </a:solidFill>
-              <a:latin typeface="Century Gothic" panose="020B0502020202020204" pitchFamily="34" charset="0"/>
+              <a:latin typeface="Atkinson Hyperlegible" pitchFamily="2" charset="0"/>
               <a:ea typeface="Ubuntu"/>
               <a:cs typeface="Ubuntu"/>
               <a:sym typeface="Ubuntu"/>
@@ -6500,7 +6757,9 @@
               <a:buNone/>
             </a:pPr>
             <a:r>
-              <a:rPr lang="en-GB" dirty="0"/>
+              <a:rPr lang="en-GB" dirty="0">
+                <a:latin typeface="Atkinson Hyperlegible" pitchFamily="2" charset="0"/>
+              </a:rPr>
               <a:t>Lists</a:t>
             </a:r>
           </a:p>
@@ -6537,7 +6796,7 @@
           </a:bodyPr>
           <a:lstStyle/>
           <a:p>
-            <a:pPr lvl="0" algn="ctr">
+            <a:pPr lvl="0">
               <a:buClr>
                 <a:srgbClr val="003565"/>
               </a:buClr>
@@ -6548,7 +6807,7 @@
                 <a:solidFill>
                   <a:schemeClr val="tx1"/>
                 </a:solidFill>
-                <a:latin typeface="Century Gothic" panose="020B0502020202020204" pitchFamily="34" charset="0"/>
+                <a:latin typeface="Atkinson Hyperlegible" pitchFamily="2" charset="0"/>
                 <a:ea typeface="Ubuntu"/>
                 <a:cs typeface="Ubuntu"/>
                 <a:sym typeface="Ubuntu"/>
@@ -6589,7 +6848,7 @@
           </a:bodyPr>
           <a:lstStyle/>
           <a:p>
-            <a:pPr lvl="0" algn="ctr">
+            <a:pPr lvl="0">
               <a:buClr>
                 <a:srgbClr val="003565"/>
               </a:buClr>
@@ -6599,7 +6858,7 @@
               <a:solidFill>
                 <a:schemeClr val="tx1"/>
               </a:solidFill>
-              <a:latin typeface="Century Gothic" panose="020B0502020202020204" pitchFamily="34" charset="0"/>
+              <a:latin typeface="Atkinson Hyperlegible" pitchFamily="2" charset="0"/>
               <a:ea typeface="Ubuntu"/>
               <a:cs typeface="Ubuntu"/>
               <a:sym typeface="Ubuntu"/>
@@ -6638,7 +6897,7 @@
           </a:bodyPr>
           <a:lstStyle/>
           <a:p>
-            <a:pPr lvl="0" algn="ctr">
+            <a:pPr lvl="0">
               <a:buClr>
                 <a:srgbClr val="003565"/>
               </a:buClr>
@@ -6649,7 +6908,7 @@
                 <a:solidFill>
                   <a:schemeClr val="tx1"/>
                 </a:solidFill>
-                <a:latin typeface="Century Gothic" panose="020B0502020202020204" pitchFamily="34" charset="0"/>
+                <a:latin typeface="Atkinson Hyperlegible" pitchFamily="2" charset="0"/>
                 <a:ea typeface="Ubuntu"/>
                 <a:cs typeface="Ubuntu"/>
                 <a:sym typeface="Ubuntu"/>
@@ -6724,7 +6983,9 @@
               <a:buNone/>
             </a:pPr>
             <a:r>
-              <a:rPr lang="en-GB" dirty="0"/>
+              <a:rPr lang="en-GB" dirty="0">
+                <a:latin typeface="Atkinson Hyperlegible" pitchFamily="2" charset="0"/>
+              </a:rPr>
               <a:t>Built In Images</a:t>
             </a:r>
           </a:p>
@@ -6761,7 +7022,7 @@
           </a:bodyPr>
           <a:lstStyle/>
           <a:p>
-            <a:pPr lvl="0" algn="ctr">
+            <a:pPr lvl="0">
               <a:buClr>
                 <a:srgbClr val="003565"/>
               </a:buClr>
@@ -6772,7 +7033,7 @@
                 <a:solidFill>
                   <a:schemeClr val="tx1"/>
                 </a:solidFill>
-                <a:latin typeface="Century Gothic" panose="020B0502020202020204" pitchFamily="34" charset="0"/>
+                <a:latin typeface="Atkinson Hyperlegible" pitchFamily="2" charset="0"/>
                 <a:ea typeface="Ubuntu"/>
                 <a:cs typeface="Ubuntu"/>
                 <a:sym typeface="Ubuntu"/>
@@ -6813,7 +7074,7 @@
           </a:bodyPr>
           <a:lstStyle/>
           <a:p>
-            <a:pPr lvl="0" algn="ctr">
+            <a:pPr lvl="0">
               <a:buClr>
                 <a:srgbClr val="003565"/>
               </a:buClr>
@@ -6824,16 +7085,16 @@
                 <a:solidFill>
                   <a:schemeClr val="tx1"/>
                 </a:solidFill>
-                <a:latin typeface="Century Gothic" panose="020B0502020202020204" pitchFamily="34" charset="0"/>
-                <a:ea typeface="Ubuntu"/>
-                <a:cs typeface="Ubuntu"/>
+                <a:latin typeface="Consolas" panose="020B0609020204030204" pitchFamily="49" charset="0"/>
+                <a:ea typeface="Ubuntu"/>
+                <a:cs typeface="Consolas" panose="020B0609020204030204" pitchFamily="49" charset="0"/>
                 <a:sym typeface="Ubuntu"/>
               </a:rPr>
               <a:t>Image.HEART</a:t>
             </a:r>
           </a:p>
           <a:p>
-            <a:pPr lvl="0" algn="ctr">
+            <a:pPr lvl="0">
               <a:buClr>
                 <a:srgbClr val="003565"/>
               </a:buClr>
@@ -6844,16 +7105,16 @@
                 <a:solidFill>
                   <a:schemeClr val="tx1"/>
                 </a:solidFill>
-                <a:latin typeface="Century Gothic" panose="020B0502020202020204" pitchFamily="34" charset="0"/>
-                <a:ea typeface="Ubuntu"/>
-                <a:cs typeface="Ubuntu"/>
+                <a:latin typeface="Consolas" panose="020B0609020204030204" pitchFamily="49" charset="0"/>
+                <a:ea typeface="Ubuntu"/>
+                <a:cs typeface="Consolas" panose="020B0609020204030204" pitchFamily="49" charset="0"/>
                 <a:sym typeface="Ubuntu"/>
               </a:rPr>
               <a:t>Image.HEART_SMALL</a:t>
             </a:r>
           </a:p>
           <a:p>
-            <a:pPr lvl="0" algn="ctr">
+            <a:pPr lvl="0">
               <a:buClr>
                 <a:srgbClr val="003565"/>
               </a:buClr>
@@ -6864,16 +7125,16 @@
                 <a:solidFill>
                   <a:schemeClr val="tx1"/>
                 </a:solidFill>
-                <a:latin typeface="Century Gothic" panose="020B0502020202020204" pitchFamily="34" charset="0"/>
-                <a:ea typeface="Ubuntu"/>
-                <a:cs typeface="Ubuntu"/>
+                <a:latin typeface="Consolas" panose="020B0609020204030204" pitchFamily="49" charset="0"/>
+                <a:ea typeface="Ubuntu"/>
+                <a:cs typeface="Consolas" panose="020B0609020204030204" pitchFamily="49" charset="0"/>
                 <a:sym typeface="Ubuntu"/>
               </a:rPr>
               <a:t>Image.HAPPY</a:t>
             </a:r>
           </a:p>
           <a:p>
-            <a:pPr lvl="0" algn="ctr">
+            <a:pPr lvl="0">
               <a:buClr>
                 <a:srgbClr val="003565"/>
               </a:buClr>
@@ -6884,16 +7145,16 @@
                 <a:solidFill>
                   <a:schemeClr val="tx1"/>
                 </a:solidFill>
-                <a:latin typeface="Century Gothic" panose="020B0502020202020204" pitchFamily="34" charset="0"/>
-                <a:ea typeface="Ubuntu"/>
-                <a:cs typeface="Ubuntu"/>
+                <a:latin typeface="Consolas" panose="020B0609020204030204" pitchFamily="49" charset="0"/>
+                <a:ea typeface="Ubuntu"/>
+                <a:cs typeface="Consolas" panose="020B0609020204030204" pitchFamily="49" charset="0"/>
                 <a:sym typeface="Ubuntu"/>
               </a:rPr>
               <a:t>Image.SMILE</a:t>
             </a:r>
           </a:p>
           <a:p>
-            <a:pPr lvl="0" algn="ctr">
+            <a:pPr lvl="0">
               <a:buClr>
                 <a:srgbClr val="003565"/>
               </a:buClr>
@@ -6904,16 +7165,16 @@
                 <a:solidFill>
                   <a:schemeClr val="tx1"/>
                 </a:solidFill>
-                <a:latin typeface="Century Gothic" panose="020B0502020202020204" pitchFamily="34" charset="0"/>
-                <a:ea typeface="Ubuntu"/>
-                <a:cs typeface="Ubuntu"/>
+                <a:latin typeface="Consolas" panose="020B0609020204030204" pitchFamily="49" charset="0"/>
+                <a:ea typeface="Ubuntu"/>
+                <a:cs typeface="Consolas" panose="020B0609020204030204" pitchFamily="49" charset="0"/>
                 <a:sym typeface="Ubuntu"/>
               </a:rPr>
               <a:t>Image.SAD</a:t>
             </a:r>
           </a:p>
           <a:p>
-            <a:pPr lvl="0" algn="ctr">
+            <a:pPr lvl="0">
               <a:buClr>
                 <a:srgbClr val="003565"/>
               </a:buClr>
@@ -6924,16 +7185,16 @@
                 <a:solidFill>
                   <a:schemeClr val="tx1"/>
                 </a:solidFill>
-                <a:latin typeface="Century Gothic" panose="020B0502020202020204" pitchFamily="34" charset="0"/>
-                <a:ea typeface="Ubuntu"/>
-                <a:cs typeface="Ubuntu"/>
+                <a:latin typeface="Consolas" panose="020B0609020204030204" pitchFamily="49" charset="0"/>
+                <a:ea typeface="Ubuntu"/>
+                <a:cs typeface="Consolas" panose="020B0609020204030204" pitchFamily="49" charset="0"/>
                 <a:sym typeface="Ubuntu"/>
               </a:rPr>
               <a:t>Image.CONFUSED</a:t>
             </a:r>
           </a:p>
           <a:p>
-            <a:pPr lvl="0" algn="ctr">
+            <a:pPr lvl="0">
               <a:buClr>
                 <a:srgbClr val="003565"/>
               </a:buClr>
@@ -6944,16 +7205,16 @@
                 <a:solidFill>
                   <a:schemeClr val="tx1"/>
                 </a:solidFill>
-                <a:latin typeface="Century Gothic" panose="020B0502020202020204" pitchFamily="34" charset="0"/>
-                <a:ea typeface="Ubuntu"/>
-                <a:cs typeface="Ubuntu"/>
+                <a:latin typeface="Consolas" panose="020B0609020204030204" pitchFamily="49" charset="0"/>
+                <a:ea typeface="Ubuntu"/>
+                <a:cs typeface="Consolas" panose="020B0609020204030204" pitchFamily="49" charset="0"/>
                 <a:sym typeface="Ubuntu"/>
               </a:rPr>
               <a:t>Image.ANGRY</a:t>
             </a:r>
           </a:p>
           <a:p>
-            <a:pPr lvl="0" algn="ctr">
+            <a:pPr lvl="0">
               <a:buClr>
                 <a:srgbClr val="003565"/>
               </a:buClr>
@@ -6964,16 +7225,16 @@
                 <a:solidFill>
                   <a:schemeClr val="tx1"/>
                 </a:solidFill>
-                <a:latin typeface="Century Gothic" panose="020B0502020202020204" pitchFamily="34" charset="0"/>
-                <a:ea typeface="Ubuntu"/>
-                <a:cs typeface="Ubuntu"/>
+                <a:latin typeface="Consolas" panose="020B0609020204030204" pitchFamily="49" charset="0"/>
+                <a:ea typeface="Ubuntu"/>
+                <a:cs typeface="Consolas" panose="020B0609020204030204" pitchFamily="49" charset="0"/>
                 <a:sym typeface="Ubuntu"/>
               </a:rPr>
               <a:t>Image.ASLEEP</a:t>
             </a:r>
           </a:p>
           <a:p>
-            <a:pPr lvl="0" algn="ctr">
+            <a:pPr lvl="0">
               <a:buClr>
                 <a:srgbClr val="003565"/>
               </a:buClr>
@@ -6984,16 +7245,16 @@
                 <a:solidFill>
                   <a:schemeClr val="tx1"/>
                 </a:solidFill>
-                <a:latin typeface="Century Gothic" panose="020B0502020202020204" pitchFamily="34" charset="0"/>
-                <a:ea typeface="Ubuntu"/>
-                <a:cs typeface="Ubuntu"/>
+                <a:latin typeface="Consolas" panose="020B0609020204030204" pitchFamily="49" charset="0"/>
+                <a:ea typeface="Ubuntu"/>
+                <a:cs typeface="Consolas" panose="020B0609020204030204" pitchFamily="49" charset="0"/>
                 <a:sym typeface="Ubuntu"/>
               </a:rPr>
               <a:t>Image.SURPRISED</a:t>
             </a:r>
           </a:p>
           <a:p>
-            <a:pPr lvl="0" algn="ctr">
+            <a:pPr lvl="0">
               <a:buClr>
                 <a:srgbClr val="003565"/>
               </a:buClr>
@@ -7004,16 +7265,16 @@
                 <a:solidFill>
                   <a:schemeClr val="tx1"/>
                 </a:solidFill>
-                <a:latin typeface="Century Gothic" panose="020B0502020202020204" pitchFamily="34" charset="0"/>
-                <a:ea typeface="Ubuntu"/>
-                <a:cs typeface="Ubuntu"/>
+                <a:latin typeface="Consolas" panose="020B0609020204030204" pitchFamily="49" charset="0"/>
+                <a:ea typeface="Ubuntu"/>
+                <a:cs typeface="Consolas" panose="020B0609020204030204" pitchFamily="49" charset="0"/>
                 <a:sym typeface="Ubuntu"/>
               </a:rPr>
               <a:t>Image.SILLY</a:t>
             </a:r>
           </a:p>
           <a:p>
-            <a:pPr lvl="0" algn="ctr">
+            <a:pPr lvl="0">
               <a:buClr>
                 <a:srgbClr val="003565"/>
               </a:buClr>
@@ -7024,16 +7285,16 @@
                 <a:solidFill>
                   <a:schemeClr val="tx1"/>
                 </a:solidFill>
-                <a:latin typeface="Century Gothic" panose="020B0502020202020204" pitchFamily="34" charset="0"/>
-                <a:ea typeface="Ubuntu"/>
-                <a:cs typeface="Ubuntu"/>
+                <a:latin typeface="Consolas" panose="020B0609020204030204" pitchFamily="49" charset="0"/>
+                <a:ea typeface="Ubuntu"/>
+                <a:cs typeface="Consolas" panose="020B0609020204030204" pitchFamily="49" charset="0"/>
                 <a:sym typeface="Ubuntu"/>
               </a:rPr>
               <a:t>Image.FABULOUS</a:t>
             </a:r>
           </a:p>
           <a:p>
-            <a:pPr lvl="0" algn="ctr">
+            <a:pPr lvl="0">
               <a:buClr>
                 <a:srgbClr val="003565"/>
               </a:buClr>
@@ -7044,16 +7305,16 @@
                 <a:solidFill>
                   <a:schemeClr val="tx1"/>
                 </a:solidFill>
-                <a:latin typeface="Century Gothic" panose="020B0502020202020204" pitchFamily="34" charset="0"/>
-                <a:ea typeface="Ubuntu"/>
-                <a:cs typeface="Ubuntu"/>
+                <a:latin typeface="Consolas" panose="020B0609020204030204" pitchFamily="49" charset="0"/>
+                <a:ea typeface="Ubuntu"/>
+                <a:cs typeface="Consolas" panose="020B0609020204030204" pitchFamily="49" charset="0"/>
                 <a:sym typeface="Ubuntu"/>
               </a:rPr>
               <a:t>Image.MEH</a:t>
             </a:r>
           </a:p>
           <a:p>
-            <a:pPr lvl="0" algn="ctr">
+            <a:pPr lvl="0">
               <a:buClr>
                 <a:srgbClr val="003565"/>
               </a:buClr>
@@ -7064,16 +7325,16 @@
                 <a:solidFill>
                   <a:schemeClr val="tx1"/>
                 </a:solidFill>
-                <a:latin typeface="Century Gothic" panose="020B0502020202020204" pitchFamily="34" charset="0"/>
-                <a:ea typeface="Ubuntu"/>
-                <a:cs typeface="Ubuntu"/>
+                <a:latin typeface="Consolas" panose="020B0609020204030204" pitchFamily="49" charset="0"/>
+                <a:ea typeface="Ubuntu"/>
+                <a:cs typeface="Consolas" panose="020B0609020204030204" pitchFamily="49" charset="0"/>
                 <a:sym typeface="Ubuntu"/>
               </a:rPr>
               <a:t>Image.YES</a:t>
             </a:r>
           </a:p>
           <a:p>
-            <a:pPr lvl="0" algn="ctr">
+            <a:pPr lvl="0">
               <a:buClr>
                 <a:srgbClr val="003565"/>
               </a:buClr>
@@ -7084,16 +7345,16 @@
                 <a:solidFill>
                   <a:schemeClr val="tx1"/>
                 </a:solidFill>
-                <a:latin typeface="Century Gothic" panose="020B0502020202020204" pitchFamily="34" charset="0"/>
-                <a:ea typeface="Ubuntu"/>
-                <a:cs typeface="Ubuntu"/>
+                <a:latin typeface="Consolas" panose="020B0609020204030204" pitchFamily="49" charset="0"/>
+                <a:ea typeface="Ubuntu"/>
+                <a:cs typeface="Consolas" panose="020B0609020204030204" pitchFamily="49" charset="0"/>
                 <a:sym typeface="Ubuntu"/>
               </a:rPr>
               <a:t>Image.NO</a:t>
             </a:r>
           </a:p>
           <a:p>
-            <a:pPr algn="ctr">
+            <a:pPr>
               <a:buClr>
                 <a:srgbClr val="003565"/>
               </a:buClr>
@@ -7104,9 +7365,9 @@
                 <a:solidFill>
                   <a:schemeClr val="tx1"/>
                 </a:solidFill>
-                <a:latin typeface="Century Gothic" panose="020B0502020202020204" pitchFamily="34" charset="0"/>
-                <a:ea typeface="Ubuntu"/>
-                <a:cs typeface="Ubuntu"/>
+                <a:latin typeface="Consolas" panose="020B0609020204030204" pitchFamily="49" charset="0"/>
+                <a:ea typeface="Ubuntu"/>
+                <a:cs typeface="Consolas" panose="020B0609020204030204" pitchFamily="49" charset="0"/>
                 <a:sym typeface="Ubuntu"/>
               </a:rPr>
               <a:t>Image.TRIANGLE</a:t>
@@ -7145,7 +7406,7 @@
           </a:bodyPr>
           <a:lstStyle/>
           <a:p>
-            <a:pPr lvl="0" algn="ctr">
+            <a:pPr lvl="0">
               <a:buClr>
                 <a:srgbClr val="003565"/>
               </a:buClr>
@@ -7156,16 +7417,16 @@
                 <a:solidFill>
                   <a:schemeClr val="tx1"/>
                 </a:solidFill>
-                <a:latin typeface="Century Gothic" panose="020B0502020202020204" pitchFamily="34" charset="0"/>
-                <a:ea typeface="Ubuntu"/>
-                <a:cs typeface="Ubuntu"/>
+                <a:latin typeface="Consolas" panose="020B0609020204030204" pitchFamily="49" charset="0"/>
+                <a:ea typeface="Ubuntu"/>
+                <a:cs typeface="Consolas" panose="020B0609020204030204" pitchFamily="49" charset="0"/>
                 <a:sym typeface="Ubuntu"/>
               </a:rPr>
               <a:t>Image.TRIANGLE_LEFT</a:t>
             </a:r>
           </a:p>
           <a:p>
-            <a:pPr lvl="0" algn="ctr">
+            <a:pPr lvl="0">
               <a:buClr>
                 <a:srgbClr val="003565"/>
               </a:buClr>
@@ -7176,16 +7437,16 @@
                 <a:solidFill>
                   <a:schemeClr val="tx1"/>
                 </a:solidFill>
-                <a:latin typeface="Century Gothic" panose="020B0502020202020204" pitchFamily="34" charset="0"/>
-                <a:ea typeface="Ubuntu"/>
-                <a:cs typeface="Ubuntu"/>
+                <a:latin typeface="Consolas" panose="020B0609020204030204" pitchFamily="49" charset="0"/>
+                <a:ea typeface="Ubuntu"/>
+                <a:cs typeface="Consolas" panose="020B0609020204030204" pitchFamily="49" charset="0"/>
                 <a:sym typeface="Ubuntu"/>
               </a:rPr>
               <a:t>Image.CHESSBOARD</a:t>
             </a:r>
           </a:p>
           <a:p>
-            <a:pPr lvl="0" algn="ctr">
+            <a:pPr lvl="0">
               <a:buClr>
                 <a:srgbClr val="003565"/>
               </a:buClr>
@@ -7196,16 +7457,16 @@
                 <a:solidFill>
                   <a:schemeClr val="tx1"/>
                 </a:solidFill>
-                <a:latin typeface="Century Gothic" panose="020B0502020202020204" pitchFamily="34" charset="0"/>
-                <a:ea typeface="Ubuntu"/>
-                <a:cs typeface="Ubuntu"/>
+                <a:latin typeface="Consolas" panose="020B0609020204030204" pitchFamily="49" charset="0"/>
+                <a:ea typeface="Ubuntu"/>
+                <a:cs typeface="Consolas" panose="020B0609020204030204" pitchFamily="49" charset="0"/>
                 <a:sym typeface="Ubuntu"/>
               </a:rPr>
               <a:t>Image.DIAMOND</a:t>
             </a:r>
           </a:p>
           <a:p>
-            <a:pPr lvl="0" algn="ctr">
+            <a:pPr lvl="0">
               <a:buClr>
                 <a:srgbClr val="003565"/>
               </a:buClr>
@@ -7216,16 +7477,16 @@
                 <a:solidFill>
                   <a:schemeClr val="tx1"/>
                 </a:solidFill>
-                <a:latin typeface="Century Gothic" panose="020B0502020202020204" pitchFamily="34" charset="0"/>
-                <a:ea typeface="Ubuntu"/>
-                <a:cs typeface="Ubuntu"/>
+                <a:latin typeface="Consolas" panose="020B0609020204030204" pitchFamily="49" charset="0"/>
+                <a:ea typeface="Ubuntu"/>
+                <a:cs typeface="Consolas" panose="020B0609020204030204" pitchFamily="49" charset="0"/>
                 <a:sym typeface="Ubuntu"/>
               </a:rPr>
               <a:t>Image.DIAMOND_SMALL</a:t>
             </a:r>
           </a:p>
           <a:p>
-            <a:pPr lvl="0" algn="ctr">
+            <a:pPr lvl="0">
               <a:buClr>
                 <a:srgbClr val="003565"/>
               </a:buClr>
@@ -7236,16 +7497,16 @@
                 <a:solidFill>
                   <a:schemeClr val="tx1"/>
                 </a:solidFill>
-                <a:latin typeface="Century Gothic" panose="020B0502020202020204" pitchFamily="34" charset="0"/>
-                <a:ea typeface="Ubuntu"/>
-                <a:cs typeface="Ubuntu"/>
+                <a:latin typeface="Consolas" panose="020B0609020204030204" pitchFamily="49" charset="0"/>
+                <a:ea typeface="Ubuntu"/>
+                <a:cs typeface="Consolas" panose="020B0609020204030204" pitchFamily="49" charset="0"/>
                 <a:sym typeface="Ubuntu"/>
               </a:rPr>
               <a:t>Image.SQUARE</a:t>
             </a:r>
           </a:p>
           <a:p>
-            <a:pPr algn="ctr">
+            <a:pPr>
               <a:buClr>
                 <a:srgbClr val="003565"/>
               </a:buClr>
@@ -7256,16 +7517,16 @@
                 <a:solidFill>
                   <a:schemeClr val="tx1"/>
                 </a:solidFill>
-                <a:latin typeface="Century Gothic" panose="020B0502020202020204" pitchFamily="34" charset="0"/>
-                <a:ea typeface="Ubuntu"/>
-                <a:cs typeface="Ubuntu"/>
+                <a:latin typeface="Consolas" panose="020B0609020204030204" pitchFamily="49" charset="0"/>
+                <a:ea typeface="Ubuntu"/>
+                <a:cs typeface="Consolas" panose="020B0609020204030204" pitchFamily="49" charset="0"/>
                 <a:sym typeface="Ubuntu"/>
               </a:rPr>
               <a:t>Image.SQUARE_SMALL</a:t>
             </a:r>
           </a:p>
           <a:p>
-            <a:pPr lvl="0" algn="ctr">
+            <a:pPr lvl="0">
               <a:buClr>
                 <a:srgbClr val="003565"/>
               </a:buClr>
@@ -7276,16 +7537,16 @@
                 <a:solidFill>
                   <a:schemeClr val="tx1"/>
                 </a:solidFill>
-                <a:latin typeface="Century Gothic" panose="020B0502020202020204" pitchFamily="34" charset="0"/>
-                <a:ea typeface="Ubuntu"/>
-                <a:cs typeface="Ubuntu"/>
+                <a:latin typeface="Consolas" panose="020B0609020204030204" pitchFamily="49" charset="0"/>
+                <a:ea typeface="Ubuntu"/>
+                <a:cs typeface="Consolas" panose="020B0609020204030204" pitchFamily="49" charset="0"/>
                 <a:sym typeface="Ubuntu"/>
               </a:rPr>
               <a:t>Image.RABBIT</a:t>
             </a:r>
           </a:p>
           <a:p>
-            <a:pPr lvl="0" algn="ctr">
+            <a:pPr lvl="0">
               <a:buClr>
                 <a:srgbClr val="003565"/>
               </a:buClr>
@@ -7296,16 +7557,16 @@
                 <a:solidFill>
                   <a:schemeClr val="tx1"/>
                 </a:solidFill>
-                <a:latin typeface="Century Gothic" panose="020B0502020202020204" pitchFamily="34" charset="0"/>
-                <a:ea typeface="Ubuntu"/>
-                <a:cs typeface="Ubuntu"/>
+                <a:latin typeface="Consolas" panose="020B0609020204030204" pitchFamily="49" charset="0"/>
+                <a:ea typeface="Ubuntu"/>
+                <a:cs typeface="Consolas" panose="020B0609020204030204" pitchFamily="49" charset="0"/>
                 <a:sym typeface="Ubuntu"/>
               </a:rPr>
               <a:t>Image.COW</a:t>
             </a:r>
           </a:p>
           <a:p>
-            <a:pPr lvl="0" algn="ctr">
+            <a:pPr lvl="0">
               <a:buClr>
                 <a:srgbClr val="003565"/>
               </a:buClr>
@@ -7316,16 +7577,16 @@
                 <a:solidFill>
                   <a:schemeClr val="tx1"/>
                 </a:solidFill>
-                <a:latin typeface="Century Gothic" panose="020B0502020202020204" pitchFamily="34" charset="0"/>
-                <a:ea typeface="Ubuntu"/>
-                <a:cs typeface="Ubuntu"/>
+                <a:latin typeface="Consolas" panose="020B0609020204030204" pitchFamily="49" charset="0"/>
+                <a:ea typeface="Ubuntu"/>
+                <a:cs typeface="Consolas" panose="020B0609020204030204" pitchFamily="49" charset="0"/>
                 <a:sym typeface="Ubuntu"/>
               </a:rPr>
               <a:t>Image.MUSIC_CROTCHET</a:t>
             </a:r>
           </a:p>
           <a:p>
-            <a:pPr lvl="0" algn="ctr">
+            <a:pPr lvl="0">
               <a:buClr>
                 <a:srgbClr val="003565"/>
               </a:buClr>
@@ -7336,16 +7597,16 @@
                 <a:solidFill>
                   <a:schemeClr val="tx1"/>
                 </a:solidFill>
-                <a:latin typeface="Century Gothic" panose="020B0502020202020204" pitchFamily="34" charset="0"/>
-                <a:ea typeface="Ubuntu"/>
-                <a:cs typeface="Ubuntu"/>
+                <a:latin typeface="Consolas" panose="020B0609020204030204" pitchFamily="49" charset="0"/>
+                <a:ea typeface="Ubuntu"/>
+                <a:cs typeface="Consolas" panose="020B0609020204030204" pitchFamily="49" charset="0"/>
                 <a:sym typeface="Ubuntu"/>
               </a:rPr>
               <a:t>Image.MUSIC_QUAVER</a:t>
             </a:r>
           </a:p>
           <a:p>
-            <a:pPr lvl="0" algn="ctr">
+            <a:pPr lvl="0">
               <a:buClr>
                 <a:srgbClr val="003565"/>
               </a:buClr>
@@ -7356,16 +7617,16 @@
                 <a:solidFill>
                   <a:schemeClr val="tx1"/>
                 </a:solidFill>
-                <a:latin typeface="Century Gothic" panose="020B0502020202020204" pitchFamily="34" charset="0"/>
-                <a:ea typeface="Ubuntu"/>
-                <a:cs typeface="Ubuntu"/>
+                <a:latin typeface="Consolas" panose="020B0609020204030204" pitchFamily="49" charset="0"/>
+                <a:ea typeface="Ubuntu"/>
+                <a:cs typeface="Consolas" panose="020B0609020204030204" pitchFamily="49" charset="0"/>
                 <a:sym typeface="Ubuntu"/>
               </a:rPr>
               <a:t>Image.MUSIC_QUAVERS</a:t>
             </a:r>
           </a:p>
           <a:p>
-            <a:pPr lvl="0" algn="ctr">
+            <a:pPr lvl="0">
               <a:buClr>
                 <a:srgbClr val="003565"/>
               </a:buClr>
@@ -7376,16 +7637,16 @@
                 <a:solidFill>
                   <a:schemeClr val="tx1"/>
                 </a:solidFill>
-                <a:latin typeface="Century Gothic" panose="020B0502020202020204" pitchFamily="34" charset="0"/>
-                <a:ea typeface="Ubuntu"/>
-                <a:cs typeface="Ubuntu"/>
+                <a:latin typeface="Consolas" panose="020B0609020204030204" pitchFamily="49" charset="0"/>
+                <a:ea typeface="Ubuntu"/>
+                <a:cs typeface="Consolas" panose="020B0609020204030204" pitchFamily="49" charset="0"/>
                 <a:sym typeface="Ubuntu"/>
               </a:rPr>
               <a:t>Image.PITCHFORK</a:t>
             </a:r>
           </a:p>
           <a:p>
-            <a:pPr lvl="0" algn="ctr">
+            <a:pPr lvl="0">
               <a:buClr>
                 <a:srgbClr val="003565"/>
               </a:buClr>
@@ -7396,16 +7657,16 @@
                 <a:solidFill>
                   <a:schemeClr val="tx1"/>
                 </a:solidFill>
-                <a:latin typeface="Century Gothic" panose="020B0502020202020204" pitchFamily="34" charset="0"/>
-                <a:ea typeface="Ubuntu"/>
-                <a:cs typeface="Ubuntu"/>
+                <a:latin typeface="Consolas" panose="020B0609020204030204" pitchFamily="49" charset="0"/>
+                <a:ea typeface="Ubuntu"/>
+                <a:cs typeface="Consolas" panose="020B0609020204030204" pitchFamily="49" charset="0"/>
                 <a:sym typeface="Ubuntu"/>
               </a:rPr>
               <a:t>Image.XMAS</a:t>
             </a:r>
           </a:p>
           <a:p>
-            <a:pPr lvl="0" algn="ctr">
+            <a:pPr lvl="0">
               <a:buClr>
                 <a:srgbClr val="003565"/>
               </a:buClr>
@@ -7416,9 +7677,9 @@
                 <a:solidFill>
                   <a:schemeClr val="tx1"/>
                 </a:solidFill>
-                <a:latin typeface="Century Gothic" panose="020B0502020202020204" pitchFamily="34" charset="0"/>
-                <a:ea typeface="Ubuntu"/>
-                <a:cs typeface="Ubuntu"/>
+                <a:latin typeface="Consolas" panose="020B0609020204030204" pitchFamily="49" charset="0"/>
+                <a:ea typeface="Ubuntu"/>
+                <a:cs typeface="Consolas" panose="020B0609020204030204" pitchFamily="49" charset="0"/>
                 <a:sym typeface="Ubuntu"/>
               </a:rPr>
               <a:t>Image.PACMAN</a:t>
@@ -7457,7 +7718,7 @@
           </a:bodyPr>
           <a:lstStyle/>
           <a:p>
-            <a:pPr algn="ctr">
+            <a:pPr>
               <a:buClr>
                 <a:srgbClr val="003565"/>
               </a:buClr>
@@ -7468,16 +7729,16 @@
                 <a:solidFill>
                   <a:schemeClr val="tx1"/>
                 </a:solidFill>
-                <a:latin typeface="Century Gothic" panose="020B0502020202020204" pitchFamily="34" charset="0"/>
-                <a:ea typeface="Ubuntu"/>
-                <a:cs typeface="Ubuntu"/>
+                <a:latin typeface="Consolas" panose="020B0609020204030204" pitchFamily="49" charset="0"/>
+                <a:ea typeface="Ubuntu"/>
+                <a:cs typeface="Consolas" panose="020B0609020204030204" pitchFamily="49" charset="0"/>
                 <a:sym typeface="Ubuntu"/>
               </a:rPr>
               <a:t>Image.TARGET</a:t>
             </a:r>
           </a:p>
           <a:p>
-            <a:pPr lvl="0" algn="ctr">
+            <a:pPr lvl="0">
               <a:buClr>
                 <a:srgbClr val="003565"/>
               </a:buClr>
@@ -7488,16 +7749,16 @@
                 <a:solidFill>
                   <a:schemeClr val="tx1"/>
                 </a:solidFill>
-                <a:latin typeface="Century Gothic" panose="020B0502020202020204" pitchFamily="34" charset="0"/>
-                <a:ea typeface="Ubuntu"/>
-                <a:cs typeface="Ubuntu"/>
+                <a:latin typeface="Consolas" panose="020B0609020204030204" pitchFamily="49" charset="0"/>
+                <a:ea typeface="Ubuntu"/>
+                <a:cs typeface="Consolas" panose="020B0609020204030204" pitchFamily="49" charset="0"/>
                 <a:sym typeface="Ubuntu"/>
               </a:rPr>
               <a:t>Image.TSHIRT</a:t>
             </a:r>
           </a:p>
           <a:p>
-            <a:pPr lvl="0" algn="ctr">
+            <a:pPr lvl="0">
               <a:buClr>
                 <a:srgbClr val="003565"/>
               </a:buClr>
@@ -7508,16 +7769,16 @@
                 <a:solidFill>
                   <a:schemeClr val="tx1"/>
                 </a:solidFill>
-                <a:latin typeface="Century Gothic" panose="020B0502020202020204" pitchFamily="34" charset="0"/>
-                <a:ea typeface="Ubuntu"/>
-                <a:cs typeface="Ubuntu"/>
+                <a:latin typeface="Consolas" panose="020B0609020204030204" pitchFamily="49" charset="0"/>
+                <a:ea typeface="Ubuntu"/>
+                <a:cs typeface="Consolas" panose="020B0609020204030204" pitchFamily="49" charset="0"/>
                 <a:sym typeface="Ubuntu"/>
               </a:rPr>
               <a:t>Image.ROLLERSKATE</a:t>
             </a:r>
           </a:p>
           <a:p>
-            <a:pPr lvl="0" algn="ctr">
+            <a:pPr lvl="0">
               <a:buClr>
                 <a:srgbClr val="003565"/>
               </a:buClr>
@@ -7528,16 +7789,16 @@
                 <a:solidFill>
                   <a:schemeClr val="tx1"/>
                 </a:solidFill>
-                <a:latin typeface="Century Gothic" panose="020B0502020202020204" pitchFamily="34" charset="0"/>
-                <a:ea typeface="Ubuntu"/>
-                <a:cs typeface="Ubuntu"/>
+                <a:latin typeface="Consolas" panose="020B0609020204030204" pitchFamily="49" charset="0"/>
+                <a:ea typeface="Ubuntu"/>
+                <a:cs typeface="Consolas" panose="020B0609020204030204" pitchFamily="49" charset="0"/>
                 <a:sym typeface="Ubuntu"/>
               </a:rPr>
               <a:t>Image.DUCK</a:t>
             </a:r>
           </a:p>
           <a:p>
-            <a:pPr lvl="0" algn="ctr">
+            <a:pPr lvl="0">
               <a:buClr>
                 <a:srgbClr val="003565"/>
               </a:buClr>
@@ -7548,16 +7809,16 @@
                 <a:solidFill>
                   <a:schemeClr val="tx1"/>
                 </a:solidFill>
-                <a:latin typeface="Century Gothic" panose="020B0502020202020204" pitchFamily="34" charset="0"/>
-                <a:ea typeface="Ubuntu"/>
-                <a:cs typeface="Ubuntu"/>
+                <a:latin typeface="Consolas" panose="020B0609020204030204" pitchFamily="49" charset="0"/>
+                <a:ea typeface="Ubuntu"/>
+                <a:cs typeface="Consolas" panose="020B0609020204030204" pitchFamily="49" charset="0"/>
                 <a:sym typeface="Ubuntu"/>
               </a:rPr>
               <a:t>Image.HOUSE</a:t>
             </a:r>
           </a:p>
           <a:p>
-            <a:pPr lvl="0" algn="ctr">
+            <a:pPr lvl="0">
               <a:buClr>
                 <a:srgbClr val="003565"/>
               </a:buClr>
@@ -7568,16 +7829,16 @@
                 <a:solidFill>
                   <a:schemeClr val="tx1"/>
                 </a:solidFill>
-                <a:latin typeface="Century Gothic" panose="020B0502020202020204" pitchFamily="34" charset="0"/>
-                <a:ea typeface="Ubuntu"/>
-                <a:cs typeface="Ubuntu"/>
+                <a:latin typeface="Consolas" panose="020B0609020204030204" pitchFamily="49" charset="0"/>
+                <a:ea typeface="Ubuntu"/>
+                <a:cs typeface="Consolas" panose="020B0609020204030204" pitchFamily="49" charset="0"/>
                 <a:sym typeface="Ubuntu"/>
               </a:rPr>
               <a:t>Image.TORTOISE</a:t>
             </a:r>
           </a:p>
           <a:p>
-            <a:pPr lvl="0" algn="ctr">
+            <a:pPr lvl="0">
               <a:buClr>
                 <a:srgbClr val="003565"/>
               </a:buClr>
@@ -7588,16 +7849,16 @@
                 <a:solidFill>
                   <a:schemeClr val="tx1"/>
                 </a:solidFill>
-                <a:latin typeface="Century Gothic" panose="020B0502020202020204" pitchFamily="34" charset="0"/>
-                <a:ea typeface="Ubuntu"/>
-                <a:cs typeface="Ubuntu"/>
+                <a:latin typeface="Consolas" panose="020B0609020204030204" pitchFamily="49" charset="0"/>
+                <a:ea typeface="Ubuntu"/>
+                <a:cs typeface="Consolas" panose="020B0609020204030204" pitchFamily="49" charset="0"/>
                 <a:sym typeface="Ubuntu"/>
               </a:rPr>
               <a:t>Image.BUTTERFLY</a:t>
             </a:r>
           </a:p>
           <a:p>
-            <a:pPr lvl="0" algn="ctr">
+            <a:pPr lvl="0">
               <a:buClr>
                 <a:srgbClr val="003565"/>
               </a:buClr>
@@ -7608,16 +7869,16 @@
                 <a:solidFill>
                   <a:schemeClr val="tx1"/>
                 </a:solidFill>
-                <a:latin typeface="Century Gothic" panose="020B0502020202020204" pitchFamily="34" charset="0"/>
-                <a:ea typeface="Ubuntu"/>
-                <a:cs typeface="Ubuntu"/>
+                <a:latin typeface="Consolas" panose="020B0609020204030204" pitchFamily="49" charset="0"/>
+                <a:ea typeface="Ubuntu"/>
+                <a:cs typeface="Consolas" panose="020B0609020204030204" pitchFamily="49" charset="0"/>
                 <a:sym typeface="Ubuntu"/>
               </a:rPr>
               <a:t>Image.STICKFIGURE</a:t>
             </a:r>
           </a:p>
           <a:p>
-            <a:pPr lvl="0" algn="ctr">
+            <a:pPr lvl="0">
               <a:buClr>
                 <a:srgbClr val="003565"/>
               </a:buClr>
@@ -7628,16 +7889,16 @@
                 <a:solidFill>
                   <a:schemeClr val="tx1"/>
                 </a:solidFill>
-                <a:latin typeface="Century Gothic" panose="020B0502020202020204" pitchFamily="34" charset="0"/>
-                <a:ea typeface="Ubuntu"/>
-                <a:cs typeface="Ubuntu"/>
+                <a:latin typeface="Consolas" panose="020B0609020204030204" pitchFamily="49" charset="0"/>
+                <a:ea typeface="Ubuntu"/>
+                <a:cs typeface="Consolas" panose="020B0609020204030204" pitchFamily="49" charset="0"/>
                 <a:sym typeface="Ubuntu"/>
               </a:rPr>
               <a:t>Image.GHOST</a:t>
             </a:r>
           </a:p>
           <a:p>
-            <a:pPr lvl="0" algn="ctr">
+            <a:pPr lvl="0">
               <a:buClr>
                 <a:srgbClr val="003565"/>
               </a:buClr>
@@ -7648,16 +7909,16 @@
                 <a:solidFill>
                   <a:schemeClr val="tx1"/>
                 </a:solidFill>
-                <a:latin typeface="Century Gothic" panose="020B0502020202020204" pitchFamily="34" charset="0"/>
-                <a:ea typeface="Ubuntu"/>
-                <a:cs typeface="Ubuntu"/>
+                <a:latin typeface="Consolas" panose="020B0609020204030204" pitchFamily="49" charset="0"/>
+                <a:ea typeface="Ubuntu"/>
+                <a:cs typeface="Consolas" panose="020B0609020204030204" pitchFamily="49" charset="0"/>
                 <a:sym typeface="Ubuntu"/>
               </a:rPr>
               <a:t>Image.SWORD</a:t>
             </a:r>
           </a:p>
           <a:p>
-            <a:pPr lvl="0" algn="ctr">
+            <a:pPr lvl="0">
               <a:buClr>
                 <a:srgbClr val="003565"/>
               </a:buClr>
@@ -7668,16 +7929,16 @@
                 <a:solidFill>
                   <a:schemeClr val="tx1"/>
                 </a:solidFill>
-                <a:latin typeface="Century Gothic" panose="020B0502020202020204" pitchFamily="34" charset="0"/>
-                <a:ea typeface="Ubuntu"/>
-                <a:cs typeface="Ubuntu"/>
+                <a:latin typeface="Consolas" panose="020B0609020204030204" pitchFamily="49" charset="0"/>
+                <a:ea typeface="Ubuntu"/>
+                <a:cs typeface="Consolas" panose="020B0609020204030204" pitchFamily="49" charset="0"/>
                 <a:sym typeface="Ubuntu"/>
               </a:rPr>
               <a:t>Image.GIRAFFE</a:t>
             </a:r>
           </a:p>
           <a:p>
-            <a:pPr lvl="0" algn="ctr">
+            <a:pPr lvl="0">
               <a:buClr>
                 <a:srgbClr val="003565"/>
               </a:buClr>
@@ -7688,16 +7949,16 @@
                 <a:solidFill>
                   <a:schemeClr val="tx1"/>
                 </a:solidFill>
-                <a:latin typeface="Century Gothic" panose="020B0502020202020204" pitchFamily="34" charset="0"/>
-                <a:ea typeface="Ubuntu"/>
-                <a:cs typeface="Ubuntu"/>
+                <a:latin typeface="Consolas" panose="020B0609020204030204" pitchFamily="49" charset="0"/>
+                <a:ea typeface="Ubuntu"/>
+                <a:cs typeface="Consolas" panose="020B0609020204030204" pitchFamily="49" charset="0"/>
                 <a:sym typeface="Ubuntu"/>
               </a:rPr>
               <a:t>Image.SKULL</a:t>
             </a:r>
           </a:p>
           <a:p>
-            <a:pPr lvl="0" algn="ctr">
+            <a:pPr lvl="0">
               <a:buClr>
                 <a:srgbClr val="003565"/>
               </a:buClr>
@@ -7708,16 +7969,16 @@
                 <a:solidFill>
                   <a:schemeClr val="tx1"/>
                 </a:solidFill>
-                <a:latin typeface="Century Gothic" panose="020B0502020202020204" pitchFamily="34" charset="0"/>
-                <a:ea typeface="Ubuntu"/>
-                <a:cs typeface="Ubuntu"/>
+                <a:latin typeface="Consolas" panose="020B0609020204030204" pitchFamily="49" charset="0"/>
+                <a:ea typeface="Ubuntu"/>
+                <a:cs typeface="Consolas" panose="020B0609020204030204" pitchFamily="49" charset="0"/>
                 <a:sym typeface="Ubuntu"/>
               </a:rPr>
               <a:t>Image.UMBRELLA</a:t>
             </a:r>
           </a:p>
           <a:p>
-            <a:pPr lvl="0" algn="ctr">
+            <a:pPr lvl="0">
               <a:buClr>
                 <a:srgbClr val="003565"/>
               </a:buClr>
@@ -7728,9 +7989,9 @@
                 <a:solidFill>
                   <a:schemeClr val="tx1"/>
                 </a:solidFill>
-                <a:latin typeface="Century Gothic" panose="020B0502020202020204" pitchFamily="34" charset="0"/>
-                <a:ea typeface="Ubuntu"/>
-                <a:cs typeface="Ubuntu"/>
+                <a:latin typeface="Consolas" panose="020B0609020204030204" pitchFamily="49" charset="0"/>
+                <a:ea typeface="Ubuntu"/>
+                <a:cs typeface="Consolas" panose="020B0609020204030204" pitchFamily="49" charset="0"/>
                 <a:sym typeface="Ubuntu"/>
               </a:rPr>
               <a:t>Image.SNAKE</a:t>
@@ -7769,7 +8030,7 @@
           </a:bodyPr>
           <a:lstStyle/>
           <a:p>
-            <a:pPr lvl="0" algn="ctr">
+            <a:pPr lvl="0">
               <a:buClr>
                 <a:srgbClr val="003565"/>
               </a:buClr>
@@ -7780,52 +8041,68 @@
                 <a:solidFill>
                   <a:schemeClr val="tx1"/>
                 </a:solidFill>
-                <a:latin typeface="Century Gothic" panose="020B0502020202020204" pitchFamily="34" charset="0"/>
-                <a:ea typeface="Ubuntu"/>
-                <a:cs typeface="Ubuntu"/>
+                <a:latin typeface="Consolas" panose="020B0609020204030204" pitchFamily="49" charset="0"/>
+                <a:ea typeface="Ubuntu"/>
+                <a:cs typeface="Consolas" panose="020B0609020204030204" pitchFamily="49" charset="0"/>
                 <a:sym typeface="Ubuntu"/>
               </a:rPr>
-              <a:t>Image.CLOCK12 # clock at 12 o' clock</a:t>
+              <a:t>Image.CLOCK12 </a:t>
             </a:r>
-          </a:p>
-          <a:p>
-            <a:pPr lvl="0" algn="ctr">
-              <a:buClr>
-                <a:srgbClr val="003565"/>
-              </a:buClr>
-              <a:buSzPct val="25000"/>
-            </a:pPr>
             <a:r>
               <a:rPr lang="en-GB" sz="1600" dirty="0">
                 <a:solidFill>
                   <a:schemeClr val="tx1"/>
                 </a:solidFill>
-                <a:latin typeface="Century Gothic" panose="020B0502020202020204" pitchFamily="34" charset="0"/>
-                <a:ea typeface="Ubuntu"/>
-                <a:cs typeface="Ubuntu"/>
+                <a:latin typeface="Atkinson Hyperlegible" pitchFamily="2" charset="0"/>
+                <a:ea typeface="Ubuntu"/>
+                <a:cs typeface="Consolas" panose="020B0609020204030204" pitchFamily="49" charset="0"/>
+                <a:sym typeface="Ubuntu"/>
+              </a:rPr>
+              <a:t>(clock at 12 o' clock, others from 1–11)</a:t>
+            </a:r>
+          </a:p>
+          <a:p>
+            <a:pPr lvl="0">
+              <a:buClr>
+                <a:srgbClr val="003565"/>
+              </a:buClr>
+              <a:buSzPct val="25000"/>
+            </a:pPr>
+            <a:r>
+              <a:rPr lang="en-GB" sz="1600" dirty="0" err="1">
+                <a:solidFill>
+                  <a:schemeClr val="tx1"/>
+                </a:solidFill>
+                <a:latin typeface="Consolas" panose="020B0609020204030204" pitchFamily="49" charset="0"/>
+                <a:ea typeface="Ubuntu"/>
+                <a:cs typeface="Consolas" panose="020B0609020204030204" pitchFamily="49" charset="0"/>
                 <a:sym typeface="Ubuntu"/>
               </a:rPr>
               <a:t>Image.ARROW_N</a:t>
             </a:r>
-          </a:p>
-          <a:p>
-            <a:pPr lvl="0" algn="ctr">
-              <a:buClr>
-                <a:srgbClr val="003565"/>
-              </a:buClr>
-              <a:buSzPct val="25000"/>
-            </a:pPr>
             <a:r>
               <a:rPr lang="en-GB" sz="1600" dirty="0">
                 <a:solidFill>
                   <a:schemeClr val="tx1"/>
                 </a:solidFill>
-                <a:latin typeface="Century Gothic" panose="020B0502020202020204" pitchFamily="34" charset="0"/>
-                <a:ea typeface="Ubuntu"/>
-                <a:cs typeface="Ubuntu"/>
+                <a:latin typeface="Consolas" panose="020B0609020204030204" pitchFamily="49" charset="0"/>
+                <a:ea typeface="Ubuntu"/>
+                <a:cs typeface="Consolas" panose="020B0609020204030204" pitchFamily="49" charset="0"/>
                 <a:sym typeface="Ubuntu"/>
               </a:rPr>
-              <a:t>... # arrows pointing N, NE, E, SE, S, SW, W, NW (microbit.Image.ARROW_direction)</a:t>
+              <a:t> </a:t>
+            </a:r>
+            <a:r>
+              <a:rPr lang="en-GB" sz="1600" dirty="0">
+                <a:solidFill>
+                  <a:schemeClr val="tx1"/>
+                </a:solidFill>
+                <a:latin typeface="Atkinson Hyperlegible" pitchFamily="2" charset="0"/>
+                <a:ea typeface="Ubuntu"/>
+                <a:cs typeface="Consolas" panose="020B0609020204030204" pitchFamily="49" charset="0"/>
+                <a:sym typeface="Ubuntu"/>
+              </a:rPr>
+              <a:t>(arrow pointing north, others replace N with  NE, E, SE, S, SW, W, NW)</a:t>
             </a:r>
           </a:p>
         </p:txBody>
@@ -7833,7 +8110,7 @@
     </p:spTree>
     <p:extLst>
       <p:ext uri="{BB962C8B-B14F-4D97-AF65-F5344CB8AC3E}">
-        <p14:creationId xmlns:p14="http://schemas.microsoft.com/office/powerpoint/2010/main" val="3349505148"/>
+        <p14:creationId xmlns:p14="http://schemas.microsoft.com/office/powerpoint/2010/main" val="544669978"/>
       </p:ext>
     </p:extLst>
   </p:cSld>
@@ -7919,7 +8196,9 @@
               <a:buNone/>
             </a:pPr>
             <a:r>
-              <a:rPr lang="en-GB" dirty="0"/>
+              <a:rPr lang="en-GB" dirty="0">
+                <a:latin typeface="Atkinson Hyperlegible" pitchFamily="2" charset="0"/>
+              </a:rPr>
               <a:t>Activity 2.4</a:t>
             </a:r>
           </a:p>
@@ -7956,7 +8235,7 @@
           </a:bodyPr>
           <a:lstStyle/>
           <a:p>
-            <a:pPr lvl="0" algn="ctr">
+            <a:pPr lvl="0">
               <a:buClr>
                 <a:srgbClr val="003565"/>
               </a:buClr>
@@ -7967,7 +8246,7 @@
                 <a:solidFill>
                   <a:schemeClr val="tx1"/>
                 </a:solidFill>
-                <a:latin typeface="Century Gothic" panose="020B0502020202020204" pitchFamily="34" charset="0"/>
+                <a:latin typeface="Atkinson Hyperlegible" pitchFamily="2" charset="0"/>
                 <a:ea typeface="Ubuntu"/>
                 <a:cs typeface="Ubuntu"/>
                 <a:sym typeface="Ubuntu"/>
@@ -8008,7 +8287,7 @@
           </a:bodyPr>
           <a:lstStyle/>
           <a:p>
-            <a:pPr lvl="0" algn="ctr">
+            <a:pPr lvl="0">
               <a:buClr>
                 <a:srgbClr val="003565"/>
               </a:buClr>
@@ -8019,7 +8298,7 @@
                 <a:solidFill>
                   <a:schemeClr val="tx1"/>
                 </a:solidFill>
-                <a:latin typeface="Century Gothic" panose="020B0502020202020204" pitchFamily="34" charset="0"/>
+                <a:latin typeface="Atkinson Hyperlegible" pitchFamily="2" charset="0"/>
                 <a:ea typeface="Ubuntu"/>
                 <a:cs typeface="Ubuntu"/>
                 <a:sym typeface="Ubuntu"/>
@@ -8060,7 +8339,7 @@
           </a:bodyPr>
           <a:lstStyle/>
           <a:p>
-            <a:pPr lvl="0" algn="ctr">
+            <a:pPr lvl="0">
               <a:buClr>
                 <a:srgbClr val="003565"/>
               </a:buClr>
@@ -8070,7 +8349,7 @@
               <a:solidFill>
                 <a:schemeClr val="tx1"/>
               </a:solidFill>
-              <a:latin typeface="Century Gothic" panose="020B0502020202020204" pitchFamily="34" charset="0"/>
+              <a:latin typeface="Atkinson Hyperlegible" pitchFamily="2" charset="0"/>
               <a:ea typeface="Ubuntu"/>
               <a:cs typeface="Ubuntu"/>
               <a:sym typeface="Ubuntu"/>
